--- a/documentation/presentationSlides.pptx
+++ b/documentation/presentationSlides.pptx
@@ -16,7 +16,7 @@
     <p:sldId id="264" r:id="rId10"/>
     <p:sldId id="265" r:id="rId11"/>
     <p:sldId id="266" r:id="rId12"/>
-    <p:sldId id="267" r:id="rId13"/>
+    <p:sldId id="268" r:id="rId13"/>
   </p:sldIdLst>
   <p:sldSz cx="12192000" cy="6858000"/>
   <p:notesSz cx="6858000" cy="9144000"/>
@@ -115,6 +115,11 @@
       </a:defRPr>
     </a:lvl9pPr>
   </p:defaultTextStyle>
+  <p:extLst>
+    <p:ext uri="{EFAFB233-063F-42B5-8137-9DF3F51BA10A}">
+      <p15:sldGuideLst xmlns:p15="http://schemas.microsoft.com/office/powerpoint/2012/main"/>
+    </p:ext>
+  </p:extLst>
 </p:presentation>
 </file>
 
@@ -287,7 +292,7 @@
           <a:p>
             <a:fld id="{B6985ABA-45A8-42F7-8FF0-959B91C948FF}" type="datetimeFigureOut">
               <a:rPr lang="en-MY" smtClean="0"/>
-              <a:t>15/12/2018</a:t>
+              <a:t>16/12/2018</a:t>
             </a:fld>
             <a:endParaRPr lang="en-MY"/>
           </a:p>
@@ -617,7 +622,7 @@
           <a:p>
             <a:fld id="{B6985ABA-45A8-42F7-8FF0-959B91C948FF}" type="datetimeFigureOut">
               <a:rPr lang="en-MY" smtClean="0"/>
-              <a:t>15/12/2018</a:t>
+              <a:t>16/12/2018</a:t>
             </a:fld>
             <a:endParaRPr lang="en-MY"/>
           </a:p>
@@ -797,7 +802,7 @@
           <a:p>
             <a:fld id="{B6985ABA-45A8-42F7-8FF0-959B91C948FF}" type="datetimeFigureOut">
               <a:rPr lang="en-MY" smtClean="0"/>
-              <a:t>15/12/2018</a:t>
+              <a:t>16/12/2018</a:t>
             </a:fld>
             <a:endParaRPr lang="en-MY"/>
           </a:p>
@@ -967,7 +972,7 @@
           <a:p>
             <a:fld id="{B6985ABA-45A8-42F7-8FF0-959B91C948FF}" type="datetimeFigureOut">
               <a:rPr lang="en-MY" smtClean="0"/>
-              <a:t>15/12/2018</a:t>
+              <a:t>16/12/2018</a:t>
             </a:fld>
             <a:endParaRPr lang="en-MY"/>
           </a:p>
@@ -1244,7 +1249,7 @@
           <a:p>
             <a:fld id="{B6985ABA-45A8-42F7-8FF0-959B91C948FF}" type="datetimeFigureOut">
               <a:rPr lang="en-MY" smtClean="0"/>
-              <a:t>15/12/2018</a:t>
+              <a:t>16/12/2018</a:t>
             </a:fld>
             <a:endParaRPr lang="en-MY"/>
           </a:p>
@@ -1638,7 +1643,7 @@
           <a:p>
             <a:fld id="{B6985ABA-45A8-42F7-8FF0-959B91C948FF}" type="datetimeFigureOut">
               <a:rPr lang="en-MY" smtClean="0"/>
-              <a:t>15/12/2018</a:t>
+              <a:t>16/12/2018</a:t>
             </a:fld>
             <a:endParaRPr lang="en-MY"/>
           </a:p>
@@ -2115,7 +2120,7 @@
           <a:p>
             <a:fld id="{B6985ABA-45A8-42F7-8FF0-959B91C948FF}" type="datetimeFigureOut">
               <a:rPr lang="en-MY" smtClean="0"/>
-              <a:t>15/12/2018</a:t>
+              <a:t>16/12/2018</a:t>
             </a:fld>
             <a:endParaRPr lang="en-MY"/>
           </a:p>
@@ -2233,7 +2238,7 @@
           <a:p>
             <a:fld id="{B6985ABA-45A8-42F7-8FF0-959B91C948FF}" type="datetimeFigureOut">
               <a:rPr lang="en-MY" smtClean="0"/>
-              <a:t>15/12/2018</a:t>
+              <a:t>16/12/2018</a:t>
             </a:fld>
             <a:endParaRPr lang="en-MY"/>
           </a:p>
@@ -2328,7 +2333,7 @@
           <a:p>
             <a:fld id="{B6985ABA-45A8-42F7-8FF0-959B91C948FF}" type="datetimeFigureOut">
               <a:rPr lang="en-MY" smtClean="0"/>
-              <a:t>15/12/2018</a:t>
+              <a:t>16/12/2018</a:t>
             </a:fld>
             <a:endParaRPr lang="en-MY"/>
           </a:p>
@@ -2674,7 +2679,7 @@
           <a:p>
             <a:fld id="{B6985ABA-45A8-42F7-8FF0-959B91C948FF}" type="datetimeFigureOut">
               <a:rPr lang="en-MY" smtClean="0"/>
-              <a:t>15/12/2018</a:t>
+              <a:t>16/12/2018</a:t>
             </a:fld>
             <a:endParaRPr lang="en-MY"/>
           </a:p>
@@ -3062,7 +3067,7 @@
           <a:p>
             <a:fld id="{B6985ABA-45A8-42F7-8FF0-959B91C948FF}" type="datetimeFigureOut">
               <a:rPr lang="en-MY" smtClean="0"/>
-              <a:t>15/12/2018</a:t>
+              <a:t>16/12/2018</a:t>
             </a:fld>
             <a:endParaRPr lang="en-MY"/>
           </a:p>
@@ -3340,7 +3345,7 @@
           <a:p>
             <a:fld id="{B6985ABA-45A8-42F7-8FF0-959B91C948FF}" type="datetimeFigureOut">
               <a:rPr lang="en-MY" smtClean="0"/>
-              <a:t>15/12/2018</a:t>
+              <a:t>16/12/2018</a:t>
             </a:fld>
             <a:endParaRPr lang="en-MY"/>
           </a:p>
@@ -4217,41 +4222,113 @@
           <a:p>
             <a:r>
               <a:rPr lang="en-US" dirty="0"/>
-              <a:t>Arima</a:t>
+              <a:t>ARIMA</a:t>
             </a:r>
             <a:endParaRPr lang="en-MY" dirty="0"/>
           </a:p>
         </p:txBody>
       </p:sp>
-      <p:sp>
-        <p:nvSpPr>
-          <p:cNvPr id="3" name="Content Placeholder 2">
+      <p:pic>
+        <p:nvPicPr>
+          <p:cNvPr id="4" name="Content Placeholder 3">
             <a:extLst>
               <a:ext uri="{FF2B5EF4-FFF2-40B4-BE49-F238E27FC236}">
-                <a16:creationId xmlns:a16="http://schemas.microsoft.com/office/drawing/2014/main" id="{6C860FD0-5A8C-4139-A687-9DBAEEC088B4}"/>
+                <a16:creationId xmlns:a16="http://schemas.microsoft.com/office/drawing/2014/main" id="{409C49C9-6FB1-45C2-AFB6-526FD7304DC7}"/>
               </a:ext>
             </a:extLst>
           </p:cNvPr>
-          <p:cNvSpPr>
-            <a:spLocks noGrp="1"/>
-          </p:cNvSpPr>
+          <p:cNvPicPr>
+            <a:picLocks noGrp="1" noChangeAspect="1"/>
+          </p:cNvPicPr>
           <p:nvPr>
             <p:ph idx="1"/>
           </p:nvPr>
-        </p:nvSpPr>
-        <p:spPr/>
-        <p:txBody>
-          <a:bodyPr/>
+        </p:nvPicPr>
+        <p:blipFill>
+          <a:blip r:embed="rId2"/>
+          <a:stretch>
+            <a:fillRect/>
+          </a:stretch>
+        </p:blipFill>
+        <p:spPr>
+          <a:xfrm>
+            <a:off x="1442668" y="1740023"/>
+            <a:ext cx="6188213" cy="3958701"/>
+          </a:xfrm>
+          <a:prstGeom prst="rect">
+            <a:avLst/>
+          </a:prstGeom>
+        </p:spPr>
+      </p:pic>
+      <p:sp>
+        <p:nvSpPr>
+          <p:cNvPr id="6" name="TextBox 5">
+            <a:extLst>
+              <a:ext uri="{FF2B5EF4-FFF2-40B4-BE49-F238E27FC236}">
+                <a16:creationId xmlns:a16="http://schemas.microsoft.com/office/drawing/2014/main" id="{B6672D76-3B9D-4046-A96B-9AF8A1504551}"/>
+              </a:ext>
+            </a:extLst>
+          </p:cNvPr>
+          <p:cNvSpPr txBox="1"/>
+          <p:nvPr/>
+        </p:nvSpPr>
+        <p:spPr>
+          <a:xfrm>
+            <a:off x="8025414" y="2149712"/>
+            <a:ext cx="3817398" cy="3139321"/>
+          </a:xfrm>
+          <a:prstGeom prst="rect">
+            <a:avLst/>
+          </a:prstGeom>
+          <a:noFill/>
+        </p:spPr>
+        <p:txBody>
+          <a:bodyPr wrap="square" rtlCol="0">
+            <a:spAutoFit/>
+          </a:bodyPr>
           <a:lstStyle/>
           <a:p>
-            <a:endParaRPr lang="en-MY"/>
+            <a:pPr marL="285750" indent="-285750">
+              <a:buFont typeface="Wingdings" panose="05000000000000000000" pitchFamily="2" charset="2"/>
+              <a:buChar char="§"/>
+            </a:pPr>
+            <a:r>
+              <a:rPr lang="en-GB" dirty="0"/>
+              <a:t>The patterns present in the dataset revealed to be suitable for the implementation of the ARIMA model</a:t>
+            </a:r>
+          </a:p>
+          <a:p>
+            <a:endParaRPr lang="en-GB" dirty="0"/>
+          </a:p>
+          <a:p>
+            <a:pPr marL="285750" indent="-285750">
+              <a:buFont typeface="Wingdings" panose="05000000000000000000" pitchFamily="2" charset="2"/>
+              <a:buChar char="§"/>
+            </a:pPr>
+            <a:r>
+              <a:rPr lang="en-GB" dirty="0"/>
+              <a:t>The ‘High’ price of the ‘BAC’ stock is forecasted using the ARIMA model</a:t>
+            </a:r>
+          </a:p>
+          <a:p>
+            <a:endParaRPr lang="en-GB" dirty="0"/>
+          </a:p>
+          <a:p>
+            <a:pPr marL="285750" indent="-285750">
+              <a:buFont typeface="Wingdings" panose="05000000000000000000" pitchFamily="2" charset="2"/>
+              <a:buChar char="§"/>
+            </a:pPr>
+            <a:r>
+              <a:rPr lang="en-GB" dirty="0"/>
+              <a:t>The prediction is quite accurate with an error rate of 4.01%</a:t>
+            </a:r>
           </a:p>
         </p:txBody>
       </p:sp>
     </p:spTree>
     <p:extLst>
       <p:ext uri="{BB962C8B-B14F-4D97-AF65-F5344CB8AC3E}">
-        <p14:creationId xmlns:p14="http://schemas.microsoft.com/office/powerpoint/2010/main" val="3561102828"/>
+        <p14:creationId xmlns:p14="http://schemas.microsoft.com/office/powerpoint/2010/main" val="1223372071"/>
       </p:ext>
     </p:extLst>
   </p:cSld>

--- a/documentation/presentationSlides.pptx
+++ b/documentation/presentationSlides.pptx
@@ -3873,7 +3873,12 @@
             <p:ph type="ctrTitle"/>
           </p:nvPr>
         </p:nvSpPr>
-        <p:spPr/>
+        <p:spPr>
+          <a:xfrm>
+            <a:off x="1915128" y="2241219"/>
+            <a:ext cx="8361229" cy="2098226"/>
+          </a:xfrm>
+        </p:spPr>
         <p:txBody>
           <a:bodyPr/>
           <a:lstStyle/>
@@ -3902,7 +3907,12 @@
             <p:ph type="subTitle" idx="1"/>
           </p:nvPr>
         </p:nvSpPr>
-        <p:spPr/>
+        <p:spPr>
+          <a:xfrm>
+            <a:off x="2679906" y="4435673"/>
+            <a:ext cx="6831673" cy="1086237"/>
+          </a:xfrm>
+        </p:spPr>
         <p:txBody>
           <a:bodyPr>
             <a:normAutofit fontScale="70000" lnSpcReduction="20000"/>
@@ -4019,8 +4029,8 @@
           <a:lstStyle/>
           <a:p>
             <a:r>
-              <a:rPr lang="en-US"/>
-              <a:t>Linear regression</a:t>
+              <a:rPr lang="en-US" dirty="0"/>
+              <a:t>Linear Regression</a:t>
             </a:r>
             <a:endParaRPr lang="en-MY" dirty="0"/>
           </a:p>
@@ -4131,7 +4141,7 @@
           <a:p>
             <a:r>
               <a:rPr lang="en-US" dirty="0"/>
-              <a:t>Prediction result</a:t>
+              <a:t>Prediction Result</a:t>
             </a:r>
             <a:endParaRPr lang="en-MY" dirty="0"/>
           </a:p>
@@ -4222,7 +4232,7 @@
           <a:p>
             <a:r>
               <a:rPr lang="en-US" dirty="0"/>
-              <a:t>ARIMA</a:t>
+              <a:t>Forecasting with ARIMA</a:t>
             </a:r>
             <a:endParaRPr lang="en-MY" dirty="0"/>
           </a:p>
@@ -4522,18 +4532,33 @@
           <a:bodyPr/>
           <a:lstStyle/>
           <a:p>
+            <a:pPr>
+              <a:lnSpc>
+                <a:spcPct val="150000"/>
+              </a:lnSpc>
+            </a:pPr>
             <a:r>
               <a:rPr lang="en-US" dirty="0"/>
               <a:t>To gain insight into the future performance of the stock based its past performance</a:t>
             </a:r>
           </a:p>
           <a:p>
+            <a:pPr>
+              <a:lnSpc>
+                <a:spcPct val="150000"/>
+              </a:lnSpc>
+            </a:pPr>
             <a:r>
               <a:rPr lang="en-US" dirty="0"/>
               <a:t>To discover patterns on the price fluctuation of the stock</a:t>
             </a:r>
           </a:p>
           <a:p>
+            <a:pPr>
+              <a:lnSpc>
+                <a:spcPct val="150000"/>
+              </a:lnSpc>
+            </a:pPr>
             <a:r>
               <a:rPr lang="en-US" dirty="0"/>
               <a:t>Try to predict the price based on historical data</a:t>
@@ -4595,7 +4620,7 @@
           <a:p>
             <a:r>
               <a:rPr lang="en-US" dirty="0"/>
-              <a:t>Data Science process</a:t>
+              <a:t>Data Science Process</a:t>
             </a:r>
             <a:endParaRPr lang="en-MY" dirty="0"/>
           </a:p>
@@ -5009,7 +5034,12 @@
             <p:ph type="title"/>
           </p:nvPr>
         </p:nvSpPr>
-        <p:spPr/>
+        <p:spPr>
+          <a:xfrm>
+            <a:off x="1211801" y="366204"/>
+            <a:ext cx="10693153" cy="1485900"/>
+          </a:xfrm>
+        </p:spPr>
         <p:txBody>
           <a:bodyPr/>
           <a:lstStyle/>
@@ -5046,8 +5076,8 @@
         </p:blipFill>
         <p:spPr>
           <a:xfrm>
-            <a:off x="4111257" y="2286000"/>
-            <a:ext cx="4121886" cy="3581400"/>
+            <a:off x="3836049" y="1740827"/>
+            <a:ext cx="5014988" cy="4357393"/>
           </a:xfrm>
           <a:prstGeom prst="rect">
             <a:avLst/>
@@ -5107,7 +5137,7 @@
           <a:p>
             <a:r>
               <a:rPr lang="en-US" dirty="0"/>
-              <a:t>The correlation between Open and High</a:t>
+              <a:t>The Correlation between Open and High</a:t>
             </a:r>
             <a:endParaRPr lang="en-MY" dirty="0"/>
           </a:p>
@@ -5137,8 +5167,8 @@
         </p:blipFill>
         <p:spPr>
           <a:xfrm>
-            <a:off x="4111257" y="2286000"/>
-            <a:ext cx="4121886" cy="3581400"/>
+            <a:off x="3628913" y="1775534"/>
+            <a:ext cx="4934173" cy="4287175"/>
           </a:xfrm>
           <a:prstGeom prst="rect">
             <a:avLst/>

--- a/documentation/presentationSlides.pptx
+++ b/documentation/presentationSlides.pptx
@@ -292,7 +292,7 @@
           <a:p>
             <a:fld id="{B6985ABA-45A8-42F7-8FF0-959B91C948FF}" type="datetimeFigureOut">
               <a:rPr lang="en-MY" smtClean="0"/>
-              <a:t>16/12/2018</a:t>
+              <a:t>20/12/2018</a:t>
             </a:fld>
             <a:endParaRPr lang="en-MY"/>
           </a:p>
@@ -622,7 +622,7 @@
           <a:p>
             <a:fld id="{B6985ABA-45A8-42F7-8FF0-959B91C948FF}" type="datetimeFigureOut">
               <a:rPr lang="en-MY" smtClean="0"/>
-              <a:t>16/12/2018</a:t>
+              <a:t>20/12/2018</a:t>
             </a:fld>
             <a:endParaRPr lang="en-MY"/>
           </a:p>
@@ -802,7 +802,7 @@
           <a:p>
             <a:fld id="{B6985ABA-45A8-42F7-8FF0-959B91C948FF}" type="datetimeFigureOut">
               <a:rPr lang="en-MY" smtClean="0"/>
-              <a:t>16/12/2018</a:t>
+              <a:t>20/12/2018</a:t>
             </a:fld>
             <a:endParaRPr lang="en-MY"/>
           </a:p>
@@ -972,7 +972,7 @@
           <a:p>
             <a:fld id="{B6985ABA-45A8-42F7-8FF0-959B91C948FF}" type="datetimeFigureOut">
               <a:rPr lang="en-MY" smtClean="0"/>
-              <a:t>16/12/2018</a:t>
+              <a:t>20/12/2018</a:t>
             </a:fld>
             <a:endParaRPr lang="en-MY"/>
           </a:p>
@@ -1249,7 +1249,7 @@
           <a:p>
             <a:fld id="{B6985ABA-45A8-42F7-8FF0-959B91C948FF}" type="datetimeFigureOut">
               <a:rPr lang="en-MY" smtClean="0"/>
-              <a:t>16/12/2018</a:t>
+              <a:t>20/12/2018</a:t>
             </a:fld>
             <a:endParaRPr lang="en-MY"/>
           </a:p>
@@ -1643,7 +1643,7 @@
           <a:p>
             <a:fld id="{B6985ABA-45A8-42F7-8FF0-959B91C948FF}" type="datetimeFigureOut">
               <a:rPr lang="en-MY" smtClean="0"/>
-              <a:t>16/12/2018</a:t>
+              <a:t>20/12/2018</a:t>
             </a:fld>
             <a:endParaRPr lang="en-MY"/>
           </a:p>
@@ -2120,7 +2120,7 @@
           <a:p>
             <a:fld id="{B6985ABA-45A8-42F7-8FF0-959B91C948FF}" type="datetimeFigureOut">
               <a:rPr lang="en-MY" smtClean="0"/>
-              <a:t>16/12/2018</a:t>
+              <a:t>20/12/2018</a:t>
             </a:fld>
             <a:endParaRPr lang="en-MY"/>
           </a:p>
@@ -2238,7 +2238,7 @@
           <a:p>
             <a:fld id="{B6985ABA-45A8-42F7-8FF0-959B91C948FF}" type="datetimeFigureOut">
               <a:rPr lang="en-MY" smtClean="0"/>
-              <a:t>16/12/2018</a:t>
+              <a:t>20/12/2018</a:t>
             </a:fld>
             <a:endParaRPr lang="en-MY"/>
           </a:p>
@@ -2333,7 +2333,7 @@
           <a:p>
             <a:fld id="{B6985ABA-45A8-42F7-8FF0-959B91C948FF}" type="datetimeFigureOut">
               <a:rPr lang="en-MY" smtClean="0"/>
-              <a:t>16/12/2018</a:t>
+              <a:t>20/12/2018</a:t>
             </a:fld>
             <a:endParaRPr lang="en-MY"/>
           </a:p>
@@ -2679,7 +2679,7 @@
           <a:p>
             <a:fld id="{B6985ABA-45A8-42F7-8FF0-959B91C948FF}" type="datetimeFigureOut">
               <a:rPr lang="en-MY" smtClean="0"/>
-              <a:t>16/12/2018</a:t>
+              <a:t>20/12/2018</a:t>
             </a:fld>
             <a:endParaRPr lang="en-MY"/>
           </a:p>
@@ -3067,7 +3067,7 @@
           <a:p>
             <a:fld id="{B6985ABA-45A8-42F7-8FF0-959B91C948FF}" type="datetimeFigureOut">
               <a:rPr lang="en-MY" smtClean="0"/>
-              <a:t>16/12/2018</a:t>
+              <a:t>20/12/2018</a:t>
             </a:fld>
             <a:endParaRPr lang="en-MY"/>
           </a:p>
@@ -3345,7 +3345,7 @@
           <a:p>
             <a:fld id="{B6985ABA-45A8-42F7-8FF0-959B91C948FF}" type="datetimeFigureOut">
               <a:rPr lang="en-MY" smtClean="0"/>
-              <a:t>16/12/2018</a:t>
+              <a:t>20/12/2018</a:t>
             </a:fld>
             <a:endParaRPr lang="en-MY"/>
           </a:p>
@@ -4675,6 +4675,12 @@
               <a:rPr lang="en-US" dirty="0"/>
               <a:t>Linear regression to predict the stock price</a:t>
             </a:r>
+          </a:p>
+          <a:p>
+            <a:r>
+              <a:rPr lang="en-US" dirty="0"/>
+              <a:t>ARIMA analysis</a:t>
+            </a:r>
             <a:endParaRPr lang="en-MY" dirty="0"/>
           </a:p>
         </p:txBody>
